--- a/COMPUTER ORGANIZATION AND ARCHITECTURE/FINAL/SLIDES/Fall 24-25 COA Lecture-7(a) Logic Instructions.pptx
+++ b/COMPUTER ORGANIZATION AND ARCHITECTURE/FINAL/SLIDES/Fall 24-25 COA Lecture-7(a) Logic Instructions.pptx
@@ -155,30 +155,6 @@
 <file path=ppt/changesInfos/changesInfo1.xml><?xml version="1.0" encoding="utf-8"?>
 <pc:chgInfo xmlns:a="http://schemas.openxmlformats.org/drawingml/2006/main" xmlns:r="http://schemas.openxmlformats.org/officeDocument/2006/relationships" xmlns:ac="http://schemas.microsoft.com/office/drawing/2013/main/command" xmlns:pc="http://schemas.microsoft.com/office/powerpoint/2013/main/command">
   <pc:docChgLst>
-    <pc:chgData name=" " userId="7df7294e-d88c-40ba-90e5-79451dd84eeb" providerId="ADAL" clId="{865E8905-3A9F-4DF8-BE85-8764B14DC0D4}"/>
-    <pc:docChg chg="modSld">
-      <pc:chgData name=" " userId="7df7294e-d88c-40ba-90e5-79451dd84eeb" providerId="ADAL" clId="{865E8905-3A9F-4DF8-BE85-8764B14DC0D4}" dt="2019-04-17T04:06:04.677" v="0" actId="1076"/>
-      <pc:docMkLst>
-        <pc:docMk/>
-      </pc:docMkLst>
-      <pc:sldChg chg="modSp">
-        <pc:chgData name=" " userId="7df7294e-d88c-40ba-90e5-79451dd84eeb" providerId="ADAL" clId="{865E8905-3A9F-4DF8-BE85-8764B14DC0D4}" dt="2019-04-17T04:06:04.677" v="0" actId="1076"/>
-        <pc:sldMkLst>
-          <pc:docMk/>
-          <pc:sldMk cId="3716353229" sldId="259"/>
-        </pc:sldMkLst>
-        <pc:spChg chg="mod">
-          <ac:chgData name=" " userId="7df7294e-d88c-40ba-90e5-79451dd84eeb" providerId="ADAL" clId="{865E8905-3A9F-4DF8-BE85-8764B14DC0D4}" dt="2019-04-17T04:06:04.677" v="0" actId="1076"/>
-          <ac:spMkLst>
-            <pc:docMk/>
-            <pc:sldMk cId="3716353229" sldId="259"/>
-            <ac:spMk id="5" creationId="{00000000-0000-0000-0000-000000000000}"/>
-          </ac:spMkLst>
-        </pc:spChg>
-      </pc:sldChg>
-    </pc:docChg>
-  </pc:docChgLst>
-  <pc:docChgLst>
     <pc:chgData name="Dr. Md Mehedi Hasan" userId="5eb39d97-deb0-466a-af4c-298e34812974" providerId="ADAL" clId="{423082C2-F8F3-4845-A1A3-4B3961032C97}"/>
     <pc:docChg chg="undo custSel modSld">
       <pc:chgData name="Dr. Md Mehedi Hasan" userId="5eb39d97-deb0-466a-af4c-298e34812974" providerId="ADAL" clId="{423082C2-F8F3-4845-A1A3-4B3961032C97}" dt="2022-03-29T09:19:07.066" v="105" actId="20577"/>
@@ -264,6 +240,30 @@
       </pc:sldChg>
     </pc:docChg>
   </pc:docChgLst>
+  <pc:docChgLst>
+    <pc:chgData name=" " userId="7df7294e-d88c-40ba-90e5-79451dd84eeb" providerId="ADAL" clId="{865E8905-3A9F-4DF8-BE85-8764B14DC0D4}"/>
+    <pc:docChg chg="modSld">
+      <pc:chgData name=" " userId="7df7294e-d88c-40ba-90e5-79451dd84eeb" providerId="ADAL" clId="{865E8905-3A9F-4DF8-BE85-8764B14DC0D4}" dt="2019-04-17T04:06:04.677" v="0" actId="1076"/>
+      <pc:docMkLst>
+        <pc:docMk/>
+      </pc:docMkLst>
+      <pc:sldChg chg="modSp">
+        <pc:chgData name=" " userId="7df7294e-d88c-40ba-90e5-79451dd84eeb" providerId="ADAL" clId="{865E8905-3A9F-4DF8-BE85-8764B14DC0D4}" dt="2019-04-17T04:06:04.677" v="0" actId="1076"/>
+        <pc:sldMkLst>
+          <pc:docMk/>
+          <pc:sldMk cId="3716353229" sldId="259"/>
+        </pc:sldMkLst>
+        <pc:spChg chg="mod">
+          <ac:chgData name=" " userId="7df7294e-d88c-40ba-90e5-79451dd84eeb" providerId="ADAL" clId="{865E8905-3A9F-4DF8-BE85-8764B14DC0D4}" dt="2019-04-17T04:06:04.677" v="0" actId="1076"/>
+          <ac:spMkLst>
+            <pc:docMk/>
+            <pc:sldMk cId="3716353229" sldId="259"/>
+            <ac:spMk id="5" creationId="{00000000-0000-0000-0000-000000000000}"/>
+          </ac:spMkLst>
+        </pc:spChg>
+      </pc:sldChg>
+    </pc:docChg>
+  </pc:docChgLst>
 </pc:chgInfo>
 </file>
 
@@ -301,7 +301,7 @@
           <a:p>
             <a:fld id="{4251665B-C24A-4702-B522-6A4334602E03}" type="datetimeFigureOut">
               <a:rPr lang="en-US" smtClean="0"/>
-              <a:t>11/13/2023</a:t>
+              <a:t>1/26/2025</a:t>
             </a:fld>
             <a:endParaRPr lang="en-US"/>
           </a:p>
@@ -1066,7 +1066,7 @@
           <a:p>
             <a:fld id="{4251665B-C24A-4702-B522-6A4334602E03}" type="datetimeFigureOut">
               <a:rPr lang="en-US" smtClean="0"/>
-              <a:t>11/13/2023</a:t>
+              <a:t>1/26/2025</a:t>
             </a:fld>
             <a:endParaRPr lang="en-US"/>
           </a:p>
@@ -1690,7 +1690,7 @@
           <a:p>
             <a:fld id="{4251665B-C24A-4702-B522-6A4334602E03}" type="datetimeFigureOut">
               <a:rPr lang="en-US" smtClean="0"/>
-              <a:t>11/13/2023</a:t>
+              <a:t>1/26/2025</a:t>
             </a:fld>
             <a:endParaRPr lang="en-US"/>
           </a:p>
@@ -2113,7 +2113,7 @@
           <a:p>
             <a:fld id="{4251665B-C24A-4702-B522-6A4334602E03}" type="datetimeFigureOut">
               <a:rPr lang="en-US" smtClean="0"/>
-              <a:t>11/13/2023</a:t>
+              <a:t>1/26/2025</a:t>
             </a:fld>
             <a:endParaRPr lang="en-US"/>
           </a:p>
@@ -2290,7 +2290,7 @@
           <a:p>
             <a:fld id="{4251665B-C24A-4702-B522-6A4334602E03}" type="datetimeFigureOut">
               <a:rPr lang="en-US" smtClean="0"/>
-              <a:t>11/13/2023</a:t>
+              <a:t>1/26/2025</a:t>
             </a:fld>
             <a:endParaRPr lang="en-US"/>
           </a:p>
@@ -3107,7 +3107,7 @@
           <a:p>
             <a:fld id="{4251665B-C24A-4702-B522-6A4334602E03}" type="datetimeFigureOut">
               <a:rPr lang="en-US" smtClean="0"/>
-              <a:t>11/13/2023</a:t>
+              <a:t>1/26/2025</a:t>
             </a:fld>
             <a:endParaRPr lang="en-US"/>
           </a:p>
@@ -3618,7 +3618,7 @@
           <a:p>
             <a:fld id="{4251665B-C24A-4702-B522-6A4334602E03}" type="datetimeFigureOut">
               <a:rPr lang="en-US" smtClean="0"/>
-              <a:t>11/13/2023</a:t>
+              <a:t>1/26/2025</a:t>
             </a:fld>
             <a:endParaRPr lang="en-US"/>
           </a:p>
@@ -3851,7 +3851,7 @@
           <a:p>
             <a:fld id="{4251665B-C24A-4702-B522-6A4334602E03}" type="datetimeFigureOut">
               <a:rPr lang="en-US" smtClean="0"/>
-              <a:t>11/13/2023</a:t>
+              <a:t>1/26/2025</a:t>
             </a:fld>
             <a:endParaRPr lang="en-US"/>
           </a:p>
@@ -4598,7 +4598,7 @@
           <a:p>
             <a:fld id="{4251665B-C24A-4702-B522-6A4334602E03}" type="datetimeFigureOut">
               <a:rPr lang="en-US" smtClean="0"/>
-              <a:t>11/13/2023</a:t>
+              <a:t>1/26/2025</a:t>
             </a:fld>
             <a:endParaRPr lang="en-US"/>
           </a:p>
@@ -4733,7 +4733,7 @@
           <a:p>
             <a:fld id="{4251665B-C24A-4702-B522-6A4334602E03}" type="datetimeFigureOut">
               <a:rPr lang="en-US" smtClean="0"/>
-              <a:t>11/13/2023</a:t>
+              <a:t>1/26/2025</a:t>
             </a:fld>
             <a:endParaRPr lang="en-US"/>
           </a:p>
@@ -5631,7 +5631,7 @@
           <a:p>
             <a:fld id="{4251665B-C24A-4702-B522-6A4334602E03}" type="datetimeFigureOut">
               <a:rPr lang="en-US" smtClean="0"/>
-              <a:t>11/13/2023</a:t>
+              <a:t>1/26/2025</a:t>
             </a:fld>
             <a:endParaRPr lang="en-US"/>
           </a:p>
@@ -5754,7 +5754,7 @@
           <a:p>
             <a:fld id="{4251665B-C24A-4702-B522-6A4334602E03}" type="datetimeFigureOut">
               <a:rPr lang="en-US" smtClean="0"/>
-              <a:t>11/13/2023</a:t>
+              <a:t>1/26/2025</a:t>
             </a:fld>
             <a:endParaRPr lang="en-US"/>
           </a:p>
@@ -6638,7 +6638,7 @@
           <a:p>
             <a:fld id="{4251665B-C24A-4702-B522-6A4334602E03}" type="datetimeFigureOut">
               <a:rPr lang="en-US" smtClean="0"/>
-              <a:t>11/13/2023</a:t>
+              <a:t>1/26/2025</a:t>
             </a:fld>
             <a:endParaRPr lang="en-US"/>
           </a:p>
@@ -7286,7 +7286,7 @@
           <a:p>
             <a:fld id="{4251665B-C24A-4702-B522-6A4334602E03}" type="datetimeFigureOut">
               <a:rPr lang="en-US" smtClean="0"/>
-              <a:t>11/13/2023</a:t>
+              <a:t>1/26/2025</a:t>
             </a:fld>
             <a:endParaRPr lang="en-US"/>
           </a:p>
@@ -7602,7 +7602,7 @@
           <a:p>
             <a:fld id="{4251665B-C24A-4702-B522-6A4334602E03}" type="datetimeFigureOut">
               <a:rPr lang="en-US" smtClean="0"/>
-              <a:t>11/13/2023</a:t>
+              <a:t>1/26/2025</a:t>
             </a:fld>
             <a:endParaRPr lang="en-US"/>
           </a:p>
@@ -7692,7 +7692,7 @@
           <a:p>
             <a:fld id="{4251665B-C24A-4702-B522-6A4334602E03}" type="datetimeFigureOut">
               <a:rPr lang="en-US" smtClean="0"/>
-              <a:t>11/13/2023</a:t>
+              <a:t>1/26/2025</a:t>
             </a:fld>
             <a:endParaRPr lang="en-US"/>
           </a:p>
@@ -8044,7 +8044,7 @@
           <a:p>
             <a:fld id="{4251665B-C24A-4702-B522-6A4334602E03}" type="datetimeFigureOut">
               <a:rPr lang="en-US" smtClean="0"/>
-              <a:t>11/13/2023</a:t>
+              <a:t>1/26/2025</a:t>
             </a:fld>
             <a:endParaRPr lang="en-US"/>
           </a:p>
@@ -8563,10 +8563,6 @@
           </a:bodyPr>
           <a:lstStyle/>
           <a:p>
-            <a:r>
-              <a:rPr lang="en-US" dirty="0"/>
-              <a:t/>
-            </a:r>
             <a:br>
               <a:rPr lang="en-US" dirty="0"/>
             </a:br>
@@ -8877,19 +8873,19 @@
                     <a:lstStyle/>
                     <a:p>
                       <a:r>
-                        <a:rPr lang="en-US" i="1" dirty="0" err="1" smtClean="0"/>
+                        <a:rPr lang="en-US" i="1" dirty="0" err="1"/>
                         <a:t>Noboranjan</a:t>
                       </a:r>
                       <a:r>
-                        <a:rPr lang="en-US" i="1" baseline="0" dirty="0" smtClean="0"/>
+                        <a:rPr lang="en-US" i="1" baseline="0" dirty="0"/>
                         <a:t> </a:t>
                       </a:r>
                       <a:r>
-                        <a:rPr lang="en-US" i="1" baseline="0" dirty="0" err="1" smtClean="0"/>
+                        <a:rPr lang="en-US" i="1" baseline="0" dirty="0" err="1"/>
                         <a:t>Dey</a:t>
                       </a:r>
                       <a:r>
-                        <a:rPr lang="en-US" i="1" smtClean="0"/>
+                        <a:rPr lang="en-US" i="1"/>
                         <a:t>; noboranjan@aiub.edu</a:t>
                       </a:r>
                       <a:endParaRPr lang="en-US" i="1" dirty="0"/>
@@ -10535,7 +10531,7 @@
           </a:ln>
           <a:extLst>
             <a:ext uri="{C572A759-6A51-4108-AA02-DFA0A04FC94B}">
-              <ma14:wrappingTextBoxFlag xmlns:ma14="http://schemas.microsoft.com/office/mac/drawingml/2011/main" xmlns="" val="1"/>
+              <ma14:wrappingTextBoxFlag xmlns="" xmlns:ma14="http://schemas.microsoft.com/office/mac/drawingml/2011/main" val="1"/>
             </a:ext>
           </a:extLst>
         </p:spPr>
@@ -11822,7 +11818,7 @@
           </a:ln>
           <a:extLst>
             <a:ext uri="{C572A759-6A51-4108-AA02-DFA0A04FC94B}">
-              <ma14:wrappingTextBoxFlag xmlns:ma14="http://schemas.microsoft.com/office/mac/drawingml/2011/main" xmlns="" val="1"/>
+              <ma14:wrappingTextBoxFlag xmlns="" xmlns:ma14="http://schemas.microsoft.com/office/mac/drawingml/2011/main" val="1"/>
             </a:ext>
           </a:extLst>
         </p:spPr>
@@ -11875,7 +11871,7 @@
           </a:ln>
           <a:extLst>
             <a:ext uri="{C572A759-6A51-4108-AA02-DFA0A04FC94B}">
-              <ma14:wrappingTextBoxFlag xmlns:ma14="http://schemas.microsoft.com/office/mac/drawingml/2011/main" xmlns="" val="1"/>
+              <ma14:wrappingTextBoxFlag xmlns="" xmlns:ma14="http://schemas.microsoft.com/office/mac/drawingml/2011/main" val="1"/>
             </a:ext>
           </a:extLst>
         </p:spPr>
@@ -17871,7 +17867,7 @@
           </a:ln>
           <a:extLst>
             <a:ext uri="{C572A759-6A51-4108-AA02-DFA0A04FC94B}">
-              <ma14:wrappingTextBoxFlag xmlns:ma14="http://schemas.microsoft.com/office/mac/drawingml/2011/main" xmlns="" val="1"/>
+              <ma14:wrappingTextBoxFlag xmlns="" xmlns:ma14="http://schemas.microsoft.com/office/mac/drawingml/2011/main" val="1"/>
             </a:ext>
           </a:extLst>
         </p:spPr>
@@ -17985,7 +17981,7 @@
           </a:ln>
           <a:extLst>
             <a:ext uri="{C572A759-6A51-4108-AA02-DFA0A04FC94B}">
-              <ma14:wrappingTextBoxFlag xmlns:ma14="http://schemas.microsoft.com/office/mac/drawingml/2011/main" xmlns="" val="1"/>
+              <ma14:wrappingTextBoxFlag xmlns="" xmlns:ma14="http://schemas.microsoft.com/office/mac/drawingml/2011/main" val="1"/>
             </a:ext>
           </a:extLst>
         </p:spPr>
@@ -18067,7 +18063,7 @@
           </a:ln>
           <a:extLst>
             <a:ext uri="{C572A759-6A51-4108-AA02-DFA0A04FC94B}">
-              <ma14:wrappingTextBoxFlag xmlns:ma14="http://schemas.microsoft.com/office/mac/drawingml/2011/main" xmlns="" val="1"/>
+              <ma14:wrappingTextBoxFlag xmlns="" xmlns:ma14="http://schemas.microsoft.com/office/mac/drawingml/2011/main" val="1"/>
             </a:ext>
           </a:extLst>
         </p:spPr>
@@ -18149,7 +18145,7 @@
           </a:ln>
           <a:extLst>
             <a:ext uri="{C572A759-6A51-4108-AA02-DFA0A04FC94B}">
-              <ma14:wrappingTextBoxFlag xmlns:ma14="http://schemas.microsoft.com/office/mac/drawingml/2011/main" xmlns="" val="1"/>
+              <ma14:wrappingTextBoxFlag xmlns="" xmlns:ma14="http://schemas.microsoft.com/office/mac/drawingml/2011/main" val="1"/>
             </a:ext>
           </a:extLst>
         </p:spPr>
@@ -18332,7 +18328,7 @@
           </a:ln>
           <a:extLst>
             <a:ext uri="{C572A759-6A51-4108-AA02-DFA0A04FC94B}">
-              <ma14:wrappingTextBoxFlag xmlns:ma14="http://schemas.microsoft.com/office/mac/drawingml/2011/main" xmlns="" val="1"/>
+              <ma14:wrappingTextBoxFlag xmlns="" xmlns:ma14="http://schemas.microsoft.com/office/mac/drawingml/2011/main" val="1"/>
             </a:ext>
           </a:extLst>
         </p:spPr>
@@ -18375,7 +18371,7 @@
           </a:ln>
           <a:extLst>
             <a:ext uri="{C572A759-6A51-4108-AA02-DFA0A04FC94B}">
-              <ma14:wrappingTextBoxFlag xmlns:ma14="http://schemas.microsoft.com/office/mac/drawingml/2011/main" xmlns="" val="1"/>
+              <ma14:wrappingTextBoxFlag xmlns="" xmlns:ma14="http://schemas.microsoft.com/office/mac/drawingml/2011/main" val="1"/>
             </a:ext>
           </a:extLst>
         </p:spPr>
@@ -18418,7 +18414,7 @@
           </a:ln>
           <a:extLst>
             <a:ext uri="{C572A759-6A51-4108-AA02-DFA0A04FC94B}">
-              <ma14:wrappingTextBoxFlag xmlns:ma14="http://schemas.microsoft.com/office/mac/drawingml/2011/main" xmlns="" val="1"/>
+              <ma14:wrappingTextBoxFlag xmlns="" xmlns:ma14="http://schemas.microsoft.com/office/mac/drawingml/2011/main" val="1"/>
             </a:ext>
           </a:extLst>
         </p:spPr>
@@ -18461,7 +18457,7 @@
           </a:ln>
           <a:extLst>
             <a:ext uri="{C572A759-6A51-4108-AA02-DFA0A04FC94B}">
-              <ma14:wrappingTextBoxFlag xmlns:ma14="http://schemas.microsoft.com/office/mac/drawingml/2011/main" xmlns="" val="1"/>
+              <ma14:wrappingTextBoxFlag xmlns="" xmlns:ma14="http://schemas.microsoft.com/office/mac/drawingml/2011/main" val="1"/>
             </a:ext>
           </a:extLst>
         </p:spPr>
